--- a/presentation.pptx
+++ b/presentation.pptx
@@ -10999,16 +10999,15 @@
           <a:lstStyle/>
           <a:p>
             <a:pPr defTabSz="914378"/>
-            <a:fld id="{00000000-1234-1234-1234-123412341234}" type="slidenum">
-              <a:rPr lang="en" kern="0">
+            <a:r>
+              <a:rPr lang="fa-IR" kern="0" dirty="0">
                 <a:solidFill>
                   <a:srgbClr val="0091EA"/>
                 </a:solidFill>
               </a:rPr>
-              <a:pPr defTabSz="914378"/>
-              <a:t>10</a:t>
-            </a:fld>
-            <a:endParaRPr kern="0">
+              <a:t>3</a:t>
+            </a:r>
+            <a:endParaRPr kern="0" dirty="0">
               <a:solidFill>
                 <a:srgbClr val="0091EA"/>
               </a:solidFill>
@@ -11556,16 +11555,15 @@
           <a:lstStyle/>
           <a:p>
             <a:pPr defTabSz="914378"/>
-            <a:fld id="{00000000-1234-1234-1234-123412341234}" type="slidenum">
-              <a:rPr lang="en" kern="0">
+            <a:r>
+              <a:rPr lang="fa-IR" kern="0" dirty="0">
                 <a:solidFill>
                   <a:srgbClr val="0091EA"/>
                 </a:solidFill>
               </a:rPr>
-              <a:pPr defTabSz="914378"/>
-              <a:t>11</a:t>
-            </a:fld>
-            <a:endParaRPr kern="0">
+              <a:t>4</a:t>
+            </a:r>
+            <a:endParaRPr kern="0" dirty="0">
               <a:solidFill>
                 <a:srgbClr val="0091EA"/>
               </a:solidFill>
@@ -11828,16 +11826,15 @@
           <a:lstStyle/>
           <a:p>
             <a:pPr defTabSz="914378"/>
-            <a:fld id="{00000000-1234-1234-1234-123412341234}" type="slidenum">
-              <a:rPr lang="en" kern="0">
+            <a:r>
+              <a:rPr lang="fa-IR" kern="0" dirty="0">
                 <a:solidFill>
                   <a:srgbClr val="0091EA"/>
                 </a:solidFill>
               </a:rPr>
-              <a:pPr defTabSz="914378"/>
-              <a:t>12</a:t>
-            </a:fld>
-            <a:endParaRPr kern="0">
+              <a:t>5</a:t>
+            </a:r>
+            <a:endParaRPr kern="0" dirty="0">
               <a:solidFill>
                 <a:srgbClr val="0091EA"/>
               </a:solidFill>
@@ -11987,20 +11984,14 @@
           <a:lstStyle/>
           <a:p>
             <a:pPr defTabSz="914378"/>
-            <a:fld id="{00000000-1234-1234-1234-123412341234}" type="slidenum">
-              <a:rPr lang="en" kern="0">
+            <a:r>
+              <a:rPr lang="fa-IR" kern="0" dirty="0">
                 <a:solidFill>
                   <a:srgbClr val="0091EA"/>
                 </a:solidFill>
               </a:rPr>
-              <a:pPr defTabSz="914378"/>
-              <a:t>13</a:t>
-            </a:fld>
-            <a:endParaRPr kern="0">
-              <a:solidFill>
-                <a:srgbClr val="0091EA"/>
-              </a:solidFill>
-            </a:endParaRPr>
+              <a:t>5</a:t>
+            </a:r>
           </a:p>
         </p:txBody>
       </p:sp>
@@ -12165,16 +12156,15 @@
           <a:lstStyle/>
           <a:p>
             <a:pPr defTabSz="914378"/>
-            <a:fld id="{00000000-1234-1234-1234-123412341234}" type="slidenum">
-              <a:rPr lang="en" kern="0">
+            <a:r>
+              <a:rPr lang="fa-IR" kern="0" dirty="0">
                 <a:solidFill>
                   <a:srgbClr val="0091EA"/>
                 </a:solidFill>
               </a:rPr>
-              <a:pPr defTabSz="914378"/>
-              <a:t>14</a:t>
-            </a:fld>
-            <a:endParaRPr kern="0">
+              <a:t>5</a:t>
+            </a:r>
+            <a:endParaRPr kern="0" dirty="0">
               <a:solidFill>
                 <a:srgbClr val="0091EA"/>
               </a:solidFill>
@@ -12421,16 +12411,15 @@
           <a:lstStyle/>
           <a:p>
             <a:pPr defTabSz="914378"/>
-            <a:fld id="{00000000-1234-1234-1234-123412341234}" type="slidenum">
-              <a:rPr lang="en" kern="0">
+            <a:r>
+              <a:rPr lang="fa-IR" kern="0" dirty="0">
                 <a:solidFill>
                   <a:srgbClr val="0091EA"/>
                 </a:solidFill>
               </a:rPr>
-              <a:pPr defTabSz="914378"/>
-              <a:t>15</a:t>
-            </a:fld>
-            <a:endParaRPr kern="0">
+              <a:t>6</a:t>
+            </a:r>
+            <a:endParaRPr kern="0" dirty="0">
               <a:solidFill>
                 <a:srgbClr val="0091EA"/>
               </a:solidFill>
@@ -12600,16 +12589,15 @@
           <a:lstStyle/>
           <a:p>
             <a:pPr defTabSz="914378"/>
-            <a:fld id="{00000000-1234-1234-1234-123412341234}" type="slidenum">
-              <a:rPr lang="en" kern="0">
+            <a:r>
+              <a:rPr lang="fa-IR" kern="0" dirty="0">
                 <a:solidFill>
                   <a:srgbClr val="0091EA"/>
                 </a:solidFill>
               </a:rPr>
-              <a:pPr defTabSz="914378"/>
-              <a:t>16</a:t>
-            </a:fld>
-            <a:endParaRPr kern="0">
+              <a:t>7</a:t>
+            </a:r>
+            <a:endParaRPr kern="0" dirty="0">
               <a:solidFill>
                 <a:srgbClr val="0091EA"/>
               </a:solidFill>
@@ -12737,16 +12725,15 @@
           <a:lstStyle/>
           <a:p>
             <a:pPr defTabSz="914378"/>
-            <a:fld id="{00000000-1234-1234-1234-123412341234}" type="slidenum">
-              <a:rPr lang="en" kern="0">
+            <a:r>
+              <a:rPr lang="fa-IR" kern="0" dirty="0">
                 <a:solidFill>
                   <a:srgbClr val="0091EA"/>
                 </a:solidFill>
               </a:rPr>
-              <a:pPr defTabSz="914378"/>
-              <a:t>17</a:t>
-            </a:fld>
-            <a:endParaRPr kern="0">
+              <a:t>8</a:t>
+            </a:r>
+            <a:endParaRPr kern="0" dirty="0">
               <a:solidFill>
                 <a:srgbClr val="0091EA"/>
               </a:solidFill>
@@ -12894,18 +12881,15 @@
             <a:pPr defTabSz="914378">
               <a:defRPr/>
             </a:pPr>
-            <a:fld id="{00000000-1234-1234-1234-123412341234}" type="slidenum">
-              <a:rPr lang="en">
+            <a:r>
+              <a:rPr lang="fa-IR" dirty="0">
                 <a:solidFill>
                   <a:srgbClr val="0091EA"/>
                 </a:solidFill>
               </a:rPr>
-              <a:pPr defTabSz="914378">
-                <a:defRPr/>
-              </a:pPr>
-              <a:t>18</a:t>
-            </a:fld>
-            <a:endParaRPr>
+              <a:t>8</a:t>
+            </a:r>
+            <a:endParaRPr dirty="0">
               <a:solidFill>
                 <a:srgbClr val="0091EA"/>
               </a:solidFill>
@@ -13069,18 +13053,15 @@
             <a:pPr defTabSz="914378">
               <a:defRPr/>
             </a:pPr>
-            <a:fld id="{00000000-1234-1234-1234-123412341234}" type="slidenum">
-              <a:rPr lang="en">
+            <a:r>
+              <a:rPr lang="fa-IR" dirty="0">
                 <a:solidFill>
                   <a:srgbClr val="0091EA"/>
                 </a:solidFill>
               </a:rPr>
-              <a:pPr defTabSz="914378">
-                <a:defRPr/>
-              </a:pPr>
-              <a:t>19</a:t>
-            </a:fld>
-            <a:endParaRPr>
+              <a:t>8</a:t>
+            </a:r>
+            <a:endParaRPr dirty="0">
               <a:solidFill>
                 <a:srgbClr val="0091EA"/>
               </a:solidFill>
@@ -13348,18 +13329,15 @@
             <a:pPr defTabSz="914378">
               <a:defRPr/>
             </a:pPr>
-            <a:fld id="{00000000-1234-1234-1234-123412341234}" type="slidenum">
-              <a:rPr lang="en">
+            <a:r>
+              <a:rPr lang="fa-IR" dirty="0">
                 <a:solidFill>
                   <a:srgbClr val="0091EA"/>
                 </a:solidFill>
               </a:rPr>
-              <a:pPr defTabSz="914378">
-                <a:defRPr/>
-              </a:pPr>
-              <a:t>20</a:t>
-            </a:fld>
-            <a:endParaRPr>
+              <a:t>9</a:t>
+            </a:r>
+            <a:endParaRPr dirty="0">
               <a:solidFill>
                 <a:srgbClr val="0091EA"/>
               </a:solidFill>
@@ -13496,18 +13474,15 @@
             <a:pPr defTabSz="914378">
               <a:defRPr/>
             </a:pPr>
-            <a:fld id="{00000000-1234-1234-1234-123412341234}" type="slidenum">
-              <a:rPr lang="en">
+            <a:r>
+              <a:rPr lang="fa-IR" dirty="0">
                 <a:solidFill>
                   <a:srgbClr val="0091EA"/>
                 </a:solidFill>
               </a:rPr>
-              <a:pPr defTabSz="914378">
-                <a:defRPr/>
-              </a:pPr>
-              <a:t>21</a:t>
-            </a:fld>
-            <a:endParaRPr>
+              <a:t>9</a:t>
+            </a:r>
+            <a:endParaRPr dirty="0">
               <a:solidFill>
                 <a:srgbClr val="0091EA"/>
               </a:solidFill>
@@ -13651,18 +13626,15 @@
             <a:pPr defTabSz="914378">
               <a:defRPr/>
             </a:pPr>
-            <a:fld id="{00000000-1234-1234-1234-123412341234}" type="slidenum">
-              <a:rPr lang="en">
+            <a:r>
+              <a:rPr lang="fa-IR" dirty="0">
                 <a:solidFill>
                   <a:srgbClr val="0091EA"/>
                 </a:solidFill>
               </a:rPr>
-              <a:pPr defTabSz="914378">
-                <a:defRPr/>
-              </a:pPr>
-              <a:t>22</a:t>
-            </a:fld>
-            <a:endParaRPr>
+              <a:t>9</a:t>
+            </a:r>
+            <a:endParaRPr dirty="0">
               <a:solidFill>
                 <a:srgbClr val="0091EA"/>
               </a:solidFill>
@@ -13824,18 +13796,15 @@
             <a:pPr defTabSz="914378">
               <a:defRPr/>
             </a:pPr>
-            <a:fld id="{00000000-1234-1234-1234-123412341234}" type="slidenum">
-              <a:rPr lang="en">
+            <a:r>
+              <a:rPr lang="fa-IR" dirty="0">
                 <a:solidFill>
                   <a:srgbClr val="0091EA"/>
                 </a:solidFill>
               </a:rPr>
-              <a:pPr defTabSz="914378">
-                <a:defRPr/>
-              </a:pPr>
-              <a:t>23</a:t>
-            </a:fld>
-            <a:endParaRPr>
+              <a:t>9</a:t>
+            </a:r>
+            <a:endParaRPr dirty="0">
               <a:solidFill>
                 <a:srgbClr val="0091EA"/>
               </a:solidFill>
@@ -14004,18 +13973,15 @@
             <a:pPr defTabSz="914378">
               <a:defRPr/>
             </a:pPr>
-            <a:fld id="{00000000-1234-1234-1234-123412341234}" type="slidenum">
-              <a:rPr lang="en">
+            <a:r>
+              <a:rPr lang="fa-IR" dirty="0">
                 <a:solidFill>
                   <a:srgbClr val="0091EA"/>
                 </a:solidFill>
               </a:rPr>
-              <a:pPr defTabSz="914378">
-                <a:defRPr/>
-              </a:pPr>
-              <a:t>24</a:t>
-            </a:fld>
-            <a:endParaRPr>
+              <a:t>9</a:t>
+            </a:r>
+            <a:endParaRPr dirty="0">
               <a:solidFill>
                 <a:srgbClr val="0091EA"/>
               </a:solidFill>
@@ -14191,18 +14157,15 @@
             <a:pPr defTabSz="914378">
               <a:defRPr/>
             </a:pPr>
-            <a:fld id="{00000000-1234-1234-1234-123412341234}" type="slidenum">
-              <a:rPr lang="en">
+            <a:r>
+              <a:rPr lang="fa-IR" dirty="0">
                 <a:solidFill>
                   <a:srgbClr val="0091EA"/>
                 </a:solidFill>
               </a:rPr>
-              <a:pPr defTabSz="914378">
-                <a:defRPr/>
-              </a:pPr>
-              <a:t>25</a:t>
-            </a:fld>
-            <a:endParaRPr>
+              <a:t>9</a:t>
+            </a:r>
+            <a:endParaRPr dirty="0">
               <a:solidFill>
                 <a:srgbClr val="0091EA"/>
               </a:solidFill>
@@ -14385,18 +14348,15 @@
             <a:pPr defTabSz="914378">
               <a:defRPr/>
             </a:pPr>
-            <a:fld id="{00000000-1234-1234-1234-123412341234}" type="slidenum">
-              <a:rPr lang="en">
+            <a:r>
+              <a:rPr lang="fa-IR" dirty="0">
                 <a:solidFill>
                   <a:srgbClr val="0091EA"/>
                 </a:solidFill>
               </a:rPr>
-              <a:pPr defTabSz="914378">
-                <a:defRPr/>
-              </a:pPr>
-              <a:t>26</a:t>
-            </a:fld>
-            <a:endParaRPr>
+              <a:t>9</a:t>
+            </a:r>
+            <a:endParaRPr dirty="0">
               <a:solidFill>
                 <a:srgbClr val="0091EA"/>
               </a:solidFill>
@@ -14522,12 +14482,11 @@
           </a:bodyPr>
           <a:lstStyle/>
           <a:p>
-            <a:fld id="{00000000-1234-1234-1234-123412341234}" type="slidenum">
-              <a:rPr lang="en"/>
-              <a:pPr/>
-              <a:t>27</a:t>
-            </a:fld>
-            <a:endParaRPr/>
+            <a:r>
+              <a:rPr lang="fa-IR" dirty="0"/>
+              <a:t>10</a:t>
+            </a:r>
+            <a:endParaRPr dirty="0"/>
           </a:p>
         </p:txBody>
       </p:sp>
@@ -14633,16 +14592,15 @@
           <a:lstStyle/>
           <a:p>
             <a:pPr defTabSz="914378"/>
-            <a:fld id="{00000000-1234-1234-1234-123412341234}" type="slidenum">
-              <a:rPr lang="en" kern="0">
+            <a:r>
+              <a:rPr lang="fa-IR" kern="0" dirty="0">
                 <a:solidFill>
                   <a:srgbClr val="0091EA"/>
                 </a:solidFill>
               </a:rPr>
-              <a:pPr defTabSz="914378"/>
-              <a:t>28</a:t>
-            </a:fld>
-            <a:endParaRPr kern="0">
+              <a:t>11</a:t>
+            </a:r>
+            <a:endParaRPr kern="0" dirty="0">
               <a:solidFill>
                 <a:srgbClr val="0091EA"/>
               </a:solidFill>
@@ -14788,18 +14746,15 @@
             <a:pPr defTabSz="914378">
               <a:defRPr/>
             </a:pPr>
-            <a:fld id="{00000000-1234-1234-1234-123412341234}" type="slidenum">
-              <a:rPr lang="en">
+            <a:r>
+              <a:rPr lang="fa-IR" dirty="0">
                 <a:solidFill>
                   <a:srgbClr val="0091EA"/>
                 </a:solidFill>
               </a:rPr>
-              <a:pPr defTabSz="914378">
-                <a:defRPr/>
-              </a:pPr>
-              <a:t>29</a:t>
-            </a:fld>
-            <a:endParaRPr>
+              <a:t>12</a:t>
+            </a:r>
+            <a:endParaRPr dirty="0">
               <a:solidFill>
                 <a:srgbClr val="0091EA"/>
               </a:solidFill>
@@ -14996,18 +14951,15 @@
             <a:pPr defTabSz="914378">
               <a:defRPr/>
             </a:pPr>
-            <a:fld id="{00000000-1234-1234-1234-123412341234}" type="slidenum">
-              <a:rPr lang="en">
+            <a:r>
+              <a:rPr lang="fa-IR" dirty="0">
                 <a:solidFill>
                   <a:srgbClr val="0091EA"/>
                 </a:solidFill>
               </a:rPr>
-              <a:pPr defTabSz="914378">
-                <a:defRPr/>
-              </a:pPr>
-              <a:t>3</a:t>
-            </a:fld>
-            <a:endParaRPr>
+              <a:t>2</a:t>
+            </a:r>
+            <a:endParaRPr dirty="0">
               <a:solidFill>
                 <a:srgbClr val="0091EA"/>
               </a:solidFill>
@@ -15133,8 +15085,8 @@
               <a:tabLst/>
               <a:defRPr/>
             </a:pPr>
-            <a:fld id="{00000000-1234-1234-1234-123412341234}" type="slidenum">
-              <a:rPr kumimoji="0" lang="en" sz="1300" b="1" i="0" u="none" strike="noStrike" kern="0" cap="none" spc="0" normalizeH="0" baseline="0" noProof="0">
+            <a:r>
+              <a:rPr kumimoji="0" lang="fa-IR" sz="1300" b="1" i="0" u="none" strike="noStrike" kern="0" cap="none" spc="0" normalizeH="0" baseline="0" noProof="0" dirty="0">
                 <a:ln>
                   <a:noFill/>
                 </a:ln>
@@ -15148,28 +15100,9 @@
                 <a:ea typeface="Source Sans Pro"/>
                 <a:sym typeface="Source Sans Pro"/>
               </a:rPr>
-              <a:pPr marL="0" marR="0" lvl="0" indent="0" algn="r" defTabSz="914378" rtl="0" eaLnBrk="1" fontAlgn="auto" latinLnBrk="0" hangingPunct="1">
-                <a:lnSpc>
-                  <a:spcPct val="100000"/>
-                </a:lnSpc>
-                <a:spcBef>
-                  <a:spcPts val="0"/>
-                </a:spcBef>
-                <a:spcAft>
-                  <a:spcPts val="0"/>
-                </a:spcAft>
-                <a:buClr>
-                  <a:srgbClr val="000000"/>
-                </a:buClr>
-                <a:buSzTx/>
-                <a:buFont typeface="Arial"/>
-                <a:buNone/>
-                <a:tabLst/>
-                <a:defRPr/>
-              </a:pPr>
-              <a:t>30</a:t>
-            </a:fld>
-            <a:endParaRPr kumimoji="0" sz="1300" b="1" i="0" u="none" strike="noStrike" kern="0" cap="none" spc="0" normalizeH="0" baseline="0" noProof="0">
+              <a:t>13</a:t>
+            </a:r>
+            <a:endParaRPr kumimoji="0" sz="1300" b="1" i="0" u="none" strike="noStrike" kern="0" cap="none" spc="0" normalizeH="0" baseline="0" noProof="0" dirty="0">
               <a:ln>
                 <a:noFill/>
               </a:ln>
@@ -15288,18 +15221,15 @@
             <a:pPr defTabSz="914378">
               <a:defRPr/>
             </a:pPr>
-            <a:fld id="{00000000-1234-1234-1234-123412341234}" type="slidenum">
-              <a:rPr lang="en">
+            <a:r>
+              <a:rPr lang="fa-IR" dirty="0">
                 <a:solidFill>
                   <a:srgbClr val="0091EA"/>
                 </a:solidFill>
               </a:rPr>
-              <a:pPr defTabSz="914378">
-                <a:defRPr/>
-              </a:pPr>
-              <a:t>31</a:t>
-            </a:fld>
-            <a:endParaRPr>
+              <a:t>14</a:t>
+            </a:r>
+            <a:endParaRPr dirty="0">
               <a:solidFill>
                 <a:srgbClr val="0091EA"/>
               </a:solidFill>
@@ -15429,18 +15359,15 @@
             <a:pPr defTabSz="914378">
               <a:defRPr/>
             </a:pPr>
-            <a:fld id="{00000000-1234-1234-1234-123412341234}" type="slidenum">
-              <a:rPr lang="en">
+            <a:r>
+              <a:rPr lang="fa-IR" dirty="0">
                 <a:solidFill>
                   <a:srgbClr val="0091EA"/>
                 </a:solidFill>
               </a:rPr>
-              <a:pPr defTabSz="914378">
-                <a:defRPr/>
-              </a:pPr>
-              <a:t>32</a:t>
-            </a:fld>
-            <a:endParaRPr>
+              <a:t>15</a:t>
+            </a:r>
+            <a:endParaRPr dirty="0">
               <a:solidFill>
                 <a:srgbClr val="0091EA"/>
               </a:solidFill>
@@ -15578,18 +15505,15 @@
             <a:pPr defTabSz="914378">
               <a:defRPr/>
             </a:pPr>
-            <a:fld id="{00000000-1234-1234-1234-123412341234}" type="slidenum">
-              <a:rPr lang="en">
+            <a:r>
+              <a:rPr lang="fa-IR" dirty="0">
                 <a:solidFill>
                   <a:srgbClr val="0091EA"/>
                 </a:solidFill>
               </a:rPr>
-              <a:pPr defTabSz="914378">
-                <a:defRPr/>
-              </a:pPr>
-              <a:t>33</a:t>
-            </a:fld>
-            <a:endParaRPr>
+              <a:t>16</a:t>
+            </a:r>
+            <a:endParaRPr dirty="0">
               <a:solidFill>
                 <a:srgbClr val="0091EA"/>
               </a:solidFill>
@@ -15743,18 +15667,15 @@
             <a:pPr defTabSz="914378">
               <a:defRPr/>
             </a:pPr>
-            <a:fld id="{00000000-1234-1234-1234-123412341234}" type="slidenum">
-              <a:rPr lang="en">
+            <a:r>
+              <a:rPr lang="fa-IR" dirty="0">
                 <a:solidFill>
                   <a:srgbClr val="0091EA"/>
                 </a:solidFill>
               </a:rPr>
-              <a:pPr defTabSz="914378">
-                <a:defRPr/>
-              </a:pPr>
-              <a:t>34</a:t>
-            </a:fld>
-            <a:endParaRPr>
+              <a:t>17</a:t>
+            </a:r>
+            <a:endParaRPr dirty="0">
               <a:solidFill>
                 <a:srgbClr val="0091EA"/>
               </a:solidFill>
@@ -15892,18 +15813,15 @@
             <a:pPr defTabSz="914378">
               <a:defRPr/>
             </a:pPr>
-            <a:fld id="{00000000-1234-1234-1234-123412341234}" type="slidenum">
-              <a:rPr lang="en">
+            <a:r>
+              <a:rPr lang="fa-IR" dirty="0">
                 <a:solidFill>
                   <a:srgbClr val="0091EA"/>
                 </a:solidFill>
               </a:rPr>
-              <a:pPr defTabSz="914378">
-                <a:defRPr/>
-              </a:pPr>
-              <a:t>35</a:t>
-            </a:fld>
-            <a:endParaRPr>
+              <a:t>18</a:t>
+            </a:r>
+            <a:endParaRPr dirty="0">
               <a:solidFill>
                 <a:srgbClr val="0091EA"/>
               </a:solidFill>
@@ -16037,18 +15955,15 @@
             <a:pPr defTabSz="914378">
               <a:defRPr/>
             </a:pPr>
-            <a:fld id="{00000000-1234-1234-1234-123412341234}" type="slidenum">
-              <a:rPr lang="en">
+            <a:r>
+              <a:rPr lang="fa-IR" dirty="0">
                 <a:solidFill>
                   <a:srgbClr val="0091EA"/>
                 </a:solidFill>
               </a:rPr>
-              <a:pPr defTabSz="914378">
-                <a:defRPr/>
-              </a:pPr>
-              <a:t>36</a:t>
-            </a:fld>
-            <a:endParaRPr>
+              <a:t>19</a:t>
+            </a:r>
+            <a:endParaRPr dirty="0">
               <a:solidFill>
                 <a:srgbClr val="0091EA"/>
               </a:solidFill>
@@ -16191,18 +16106,15 @@
             <a:pPr defTabSz="914378">
               <a:defRPr/>
             </a:pPr>
-            <a:fld id="{00000000-1234-1234-1234-123412341234}" type="slidenum">
-              <a:rPr lang="en">
+            <a:r>
+              <a:rPr lang="fa-IR" dirty="0">
                 <a:solidFill>
                   <a:srgbClr val="0091EA"/>
                 </a:solidFill>
               </a:rPr>
-              <a:pPr defTabSz="914378">
-                <a:defRPr/>
-              </a:pPr>
-              <a:t>37</a:t>
-            </a:fld>
-            <a:endParaRPr>
+              <a:t>20</a:t>
+            </a:r>
+            <a:endParaRPr dirty="0">
               <a:solidFill>
                 <a:srgbClr val="0091EA"/>
               </a:solidFill>
@@ -16335,18 +16247,15 @@
             <a:pPr defTabSz="914378">
               <a:defRPr/>
             </a:pPr>
-            <a:fld id="{00000000-1234-1234-1234-123412341234}" type="slidenum">
-              <a:rPr lang="en">
+            <a:r>
+              <a:rPr lang="fa-IR" dirty="0">
                 <a:solidFill>
                   <a:srgbClr val="0091EA"/>
                 </a:solidFill>
               </a:rPr>
-              <a:pPr defTabSz="914378">
-                <a:defRPr/>
-              </a:pPr>
-              <a:t>38</a:t>
-            </a:fld>
-            <a:endParaRPr>
+              <a:t>21</a:t>
+            </a:r>
+            <a:endParaRPr dirty="0">
               <a:solidFill>
                 <a:srgbClr val="0091EA"/>
               </a:solidFill>
@@ -16489,18 +16398,15 @@
             <a:pPr defTabSz="914378">
               <a:defRPr/>
             </a:pPr>
-            <a:fld id="{00000000-1234-1234-1234-123412341234}" type="slidenum">
-              <a:rPr lang="en">
+            <a:r>
+              <a:rPr lang="fa-IR" dirty="0">
                 <a:solidFill>
                   <a:srgbClr val="0091EA"/>
                 </a:solidFill>
               </a:rPr>
-              <a:pPr defTabSz="914378">
-                <a:defRPr/>
-              </a:pPr>
-              <a:t>39</a:t>
-            </a:fld>
-            <a:endParaRPr>
+              <a:t>22</a:t>
+            </a:r>
+            <a:endParaRPr dirty="0">
               <a:solidFill>
                 <a:srgbClr val="0091EA"/>
               </a:solidFill>
@@ -16650,18 +16556,15 @@
             <a:pPr defTabSz="914378">
               <a:defRPr/>
             </a:pPr>
-            <a:fld id="{00000000-1234-1234-1234-123412341234}" type="slidenum">
-              <a:rPr lang="en">
+            <a:r>
+              <a:rPr lang="fa-IR" dirty="0">
                 <a:solidFill>
                   <a:srgbClr val="0091EA"/>
                 </a:solidFill>
               </a:rPr>
-              <a:pPr defTabSz="914378">
-                <a:defRPr/>
-              </a:pPr>
-              <a:t>4</a:t>
-            </a:fld>
-            <a:endParaRPr>
+              <a:t>2</a:t>
+            </a:r>
+            <a:endParaRPr dirty="0">
               <a:solidFill>
                 <a:srgbClr val="0091EA"/>
               </a:solidFill>
@@ -16794,18 +16697,15 @@
             <a:pPr defTabSz="914378">
               <a:defRPr/>
             </a:pPr>
-            <a:fld id="{00000000-1234-1234-1234-123412341234}" type="slidenum">
-              <a:rPr lang="en">
+            <a:r>
+              <a:rPr lang="fa-IR" dirty="0">
                 <a:solidFill>
                   <a:srgbClr val="0091EA"/>
                 </a:solidFill>
               </a:rPr>
-              <a:pPr defTabSz="914378">
-                <a:defRPr/>
-              </a:pPr>
-              <a:t>40</a:t>
-            </a:fld>
-            <a:endParaRPr>
+              <a:t>23</a:t>
+            </a:r>
+            <a:endParaRPr dirty="0">
               <a:solidFill>
                 <a:srgbClr val="0091EA"/>
               </a:solidFill>
@@ -16969,18 +16869,15 @@
             <a:pPr defTabSz="914378">
               <a:defRPr/>
             </a:pPr>
-            <a:fld id="{00000000-1234-1234-1234-123412341234}" type="slidenum">
-              <a:rPr lang="en">
+            <a:r>
+              <a:rPr lang="fa-IR" dirty="0">
                 <a:solidFill>
                   <a:srgbClr val="0091EA"/>
                 </a:solidFill>
               </a:rPr>
-              <a:pPr defTabSz="914378">
-                <a:defRPr/>
-              </a:pPr>
-              <a:t>41</a:t>
-            </a:fld>
-            <a:endParaRPr>
+              <a:t>24</a:t>
+            </a:r>
+            <a:endParaRPr dirty="0">
               <a:solidFill>
                 <a:srgbClr val="0091EA"/>
               </a:solidFill>
@@ -17110,18 +17007,15 @@
             <a:pPr defTabSz="914378">
               <a:defRPr/>
             </a:pPr>
-            <a:fld id="{00000000-1234-1234-1234-123412341234}" type="slidenum">
-              <a:rPr lang="en">
+            <a:r>
+              <a:rPr lang="fa-IR" dirty="0">
                 <a:solidFill>
                   <a:srgbClr val="0091EA"/>
                 </a:solidFill>
               </a:rPr>
-              <a:pPr defTabSz="914378">
-                <a:defRPr/>
-              </a:pPr>
-              <a:t>42</a:t>
-            </a:fld>
-            <a:endParaRPr>
+              <a:t>25</a:t>
+            </a:r>
+            <a:endParaRPr dirty="0">
               <a:solidFill>
                 <a:srgbClr val="0091EA"/>
               </a:solidFill>
@@ -17309,11 +17203,11 @@
               </a:spcAft>
               <a:buNone/>
             </a:pPr>
-            <a:fld id="{00000000-1234-1234-1234-123412341234}" type="slidenum">
-              <a:rPr lang="en"/>
-              <a:t>43</a:t>
-            </a:fld>
-            <a:endParaRPr/>
+            <a:r>
+              <a:rPr lang="fa-IR" dirty="0"/>
+              <a:t>26</a:t>
+            </a:r>
+            <a:endParaRPr dirty="0"/>
           </a:p>
         </p:txBody>
       </p:sp>
@@ -17672,11 +17566,11 @@
               </a:spcAft>
               <a:buNone/>
             </a:pPr>
-            <a:fld id="{00000000-1234-1234-1234-123412341234}" type="slidenum">
-              <a:rPr lang="en"/>
-              <a:t>44</a:t>
-            </a:fld>
-            <a:endParaRPr/>
+            <a:r>
+              <a:rPr lang="fa-IR" dirty="0"/>
+              <a:t>27</a:t>
+            </a:r>
+            <a:endParaRPr dirty="0"/>
           </a:p>
         </p:txBody>
       </p:sp>
@@ -17820,11 +17714,11 @@
               </a:spcAft>
               <a:buNone/>
             </a:pPr>
-            <a:fld id="{00000000-1234-1234-1234-123412341234}" type="slidenum">
-              <a:rPr lang="en"/>
-              <a:t>45</a:t>
-            </a:fld>
-            <a:endParaRPr/>
+            <a:r>
+              <a:rPr lang="fa-IR" dirty="0"/>
+              <a:t>28</a:t>
+            </a:r>
+            <a:endParaRPr dirty="0"/>
           </a:p>
         </p:txBody>
       </p:sp>
@@ -18221,10 +18115,10 @@
               </a:spcAft>
               <a:buNone/>
             </a:pPr>
-            <a:fld id="{00000000-1234-1234-1234-123412341234}" type="slidenum">
-              <a:rPr lang="en"/>
-              <a:t>46</a:t>
-            </a:fld>
+            <a:r>
+              <a:rPr lang="fa-IR" dirty="0"/>
+              <a:t>29</a:t>
+            </a:r>
             <a:endParaRPr dirty="0"/>
           </a:p>
         </p:txBody>
@@ -18391,11 +18285,11 @@
               </a:spcAft>
               <a:buNone/>
             </a:pPr>
-            <a:fld id="{00000000-1234-1234-1234-123412341234}" type="slidenum">
-              <a:rPr lang="en"/>
-              <a:t>47</a:t>
-            </a:fld>
-            <a:endParaRPr/>
+            <a:r>
+              <a:rPr lang="fa-IR" dirty="0"/>
+              <a:t>30</a:t>
+            </a:r>
+            <a:endParaRPr dirty="0"/>
           </a:p>
         </p:txBody>
       </p:sp>
@@ -19361,16 +19255,15 @@
           <a:lstStyle/>
           <a:p>
             <a:pPr defTabSz="914378"/>
-            <a:fld id="{00000000-1234-1234-1234-123412341234}" type="slidenum">
-              <a:rPr lang="en" kern="0">
+            <a:r>
+              <a:rPr lang="fa-IR" kern="0" dirty="0">
                 <a:solidFill>
                   <a:srgbClr val="0091EA"/>
                 </a:solidFill>
               </a:rPr>
-              <a:pPr defTabSz="914378"/>
-              <a:t>48</a:t>
-            </a:fld>
-            <a:endParaRPr kern="0">
+              <a:t>31</a:t>
+            </a:r>
+            <a:endParaRPr kern="0" dirty="0">
               <a:solidFill>
                 <a:srgbClr val="0091EA"/>
               </a:solidFill>
@@ -19453,7 +19346,7 @@
         </p:nvSpPr>
         <p:spPr>
           <a:xfrm>
-            <a:off x="739616" y="880695"/>
+            <a:off x="739616" y="659420"/>
             <a:ext cx="7466100" cy="3954685"/>
           </a:xfrm>
           <a:prstGeom prst="rect">
@@ -19704,16 +19597,15 @@
           <a:lstStyle/>
           <a:p>
             <a:pPr defTabSz="914378"/>
-            <a:fld id="{00000000-1234-1234-1234-123412341234}" type="slidenum">
-              <a:rPr lang="en" kern="0">
+            <a:r>
+              <a:rPr lang="fa-IR" kern="0" dirty="0">
                 <a:solidFill>
                   <a:srgbClr val="0091EA"/>
                 </a:solidFill>
               </a:rPr>
-              <a:pPr defTabSz="914378"/>
-              <a:t>49</a:t>
-            </a:fld>
-            <a:endParaRPr kern="0">
+              <a:t>32</a:t>
+            </a:r>
+            <a:endParaRPr kern="0" dirty="0">
               <a:solidFill>
                 <a:srgbClr val="0091EA"/>
               </a:solidFill>
@@ -19875,18 +19767,15 @@
             <a:pPr defTabSz="914378">
               <a:defRPr/>
             </a:pPr>
-            <a:fld id="{00000000-1234-1234-1234-123412341234}" type="slidenum">
-              <a:rPr lang="en">
+            <a:r>
+              <a:rPr lang="fa-IR" dirty="0">
                 <a:solidFill>
                   <a:srgbClr val="0091EA"/>
                 </a:solidFill>
               </a:rPr>
-              <a:pPr defTabSz="914378">
-                <a:defRPr/>
-              </a:pPr>
-              <a:t>5</a:t>
-            </a:fld>
-            <a:endParaRPr>
+              <a:t>2</a:t>
+            </a:r>
+            <a:endParaRPr dirty="0">
               <a:solidFill>
                 <a:srgbClr val="0091EA"/>
               </a:solidFill>
@@ -20019,16 +19908,15 @@
           <a:lstStyle/>
           <a:p>
             <a:pPr defTabSz="914378"/>
-            <a:fld id="{00000000-1234-1234-1234-123412341234}" type="slidenum">
-              <a:rPr lang="en" kern="0">
+            <a:r>
+              <a:rPr lang="fa-IR" kern="0" dirty="0">
                 <a:solidFill>
                   <a:srgbClr val="0091EA"/>
                 </a:solidFill>
               </a:rPr>
-              <a:pPr defTabSz="914378"/>
-              <a:t>50</a:t>
-            </a:fld>
-            <a:endParaRPr kern="0">
+              <a:t>33</a:t>
+            </a:r>
+            <a:endParaRPr kern="0" dirty="0">
               <a:solidFill>
                 <a:srgbClr val="0091EA"/>
               </a:solidFill>
@@ -20237,18 +20125,15 @@
             <a:pPr defTabSz="914378">
               <a:defRPr/>
             </a:pPr>
-            <a:fld id="{00000000-1234-1234-1234-123412341234}" type="slidenum">
-              <a:rPr lang="en">
+            <a:r>
+              <a:rPr lang="fa-IR" dirty="0">
                 <a:solidFill>
                   <a:srgbClr val="0091EA"/>
                 </a:solidFill>
               </a:rPr>
-              <a:pPr defTabSz="914378">
-                <a:defRPr/>
-              </a:pPr>
-              <a:t>6</a:t>
-            </a:fld>
-            <a:endParaRPr>
+              <a:t>2</a:t>
+            </a:r>
+            <a:endParaRPr dirty="0">
               <a:solidFill>
                 <a:srgbClr val="0091EA"/>
               </a:solidFill>
@@ -20442,18 +20327,15 @@
             <a:pPr defTabSz="914378">
               <a:defRPr/>
             </a:pPr>
-            <a:fld id="{00000000-1234-1234-1234-123412341234}" type="slidenum">
-              <a:rPr lang="en">
+            <a:r>
+              <a:rPr lang="fa-IR" dirty="0">
                 <a:solidFill>
                   <a:srgbClr val="0091EA"/>
                 </a:solidFill>
               </a:rPr>
-              <a:pPr defTabSz="914378">
-                <a:defRPr/>
-              </a:pPr>
-              <a:t>7</a:t>
-            </a:fld>
-            <a:endParaRPr>
+              <a:t>2</a:t>
+            </a:r>
+            <a:endParaRPr dirty="0">
               <a:solidFill>
                 <a:srgbClr val="0091EA"/>
               </a:solidFill>
@@ -20665,18 +20547,15 @@
             <a:pPr defTabSz="914378">
               <a:defRPr/>
             </a:pPr>
-            <a:fld id="{00000000-1234-1234-1234-123412341234}" type="slidenum">
-              <a:rPr lang="en">
+            <a:r>
+              <a:rPr lang="fa-IR" dirty="0">
                 <a:solidFill>
                   <a:srgbClr val="0091EA"/>
                 </a:solidFill>
               </a:rPr>
-              <a:pPr defTabSz="914378">
-                <a:defRPr/>
-              </a:pPr>
-              <a:t>8</a:t>
-            </a:fld>
-            <a:endParaRPr>
+              <a:t>2</a:t>
+            </a:r>
+            <a:endParaRPr dirty="0">
               <a:solidFill>
                 <a:srgbClr val="0091EA"/>
               </a:solidFill>
@@ -20899,18 +20778,15 @@
             <a:pPr defTabSz="914378">
               <a:defRPr/>
             </a:pPr>
-            <a:fld id="{00000000-1234-1234-1234-123412341234}" type="slidenum">
-              <a:rPr lang="en">
+            <a:r>
+              <a:rPr lang="fa-IR" dirty="0">
                 <a:solidFill>
                   <a:srgbClr val="0091EA"/>
                 </a:solidFill>
               </a:rPr>
-              <a:pPr defTabSz="914378">
-                <a:defRPr/>
-              </a:pPr>
-              <a:t>9</a:t>
-            </a:fld>
-            <a:endParaRPr>
+              <a:t>2</a:t>
+            </a:r>
+            <a:endParaRPr dirty="0">
               <a:solidFill>
                 <a:srgbClr val="0091EA"/>
               </a:solidFill>
